--- a/4주차/4주차.pptx
+++ b/4주차/4주차.pptx
@@ -211,7 +211,7 @@
           <a:p>
             <a:fld id="{B4AD3D9F-DFED-446A-8E6A-4E55758CB59F}" type="datetimeFigureOut">
               <a:rPr lang="ko-KR" altLang="en-US" smtClean="0"/>
-              <a:t>2025-06-03</a:t>
+              <a:t>2025-06-04</a:t>
             </a:fld>
             <a:endParaRPr lang="ko-KR" altLang="en-US"/>
           </a:p>
@@ -877,7 +877,7 @@
           <a:p>
             <a:fld id="{DF85DC0E-F384-4EF2-B141-A8FEF26BFE61}" type="datetimeFigureOut">
               <a:rPr lang="ko-KR" altLang="en-US" smtClean="0"/>
-              <a:t>2025-06-03</a:t>
+              <a:t>2025-06-04</a:t>
             </a:fld>
             <a:endParaRPr lang="ko-KR" altLang="en-US"/>
           </a:p>
@@ -1075,7 +1075,7 @@
           <a:p>
             <a:fld id="{DF85DC0E-F384-4EF2-B141-A8FEF26BFE61}" type="datetimeFigureOut">
               <a:rPr lang="ko-KR" altLang="en-US" smtClean="0"/>
-              <a:t>2025-06-03</a:t>
+              <a:t>2025-06-04</a:t>
             </a:fld>
             <a:endParaRPr lang="ko-KR" altLang="en-US"/>
           </a:p>
@@ -1283,7 +1283,7 @@
           <a:p>
             <a:fld id="{DF85DC0E-F384-4EF2-B141-A8FEF26BFE61}" type="datetimeFigureOut">
               <a:rPr lang="ko-KR" altLang="en-US" smtClean="0"/>
-              <a:t>2025-06-03</a:t>
+              <a:t>2025-06-04</a:t>
             </a:fld>
             <a:endParaRPr lang="ko-KR" altLang="en-US"/>
           </a:p>
@@ -1481,7 +1481,7 @@
           <a:p>
             <a:fld id="{DF85DC0E-F384-4EF2-B141-A8FEF26BFE61}" type="datetimeFigureOut">
               <a:rPr lang="ko-KR" altLang="en-US" smtClean="0"/>
-              <a:t>2025-06-03</a:t>
+              <a:t>2025-06-04</a:t>
             </a:fld>
             <a:endParaRPr lang="ko-KR" altLang="en-US"/>
           </a:p>
@@ -1756,7 +1756,7 @@
           <a:p>
             <a:fld id="{DF85DC0E-F384-4EF2-B141-A8FEF26BFE61}" type="datetimeFigureOut">
               <a:rPr lang="ko-KR" altLang="en-US" smtClean="0"/>
-              <a:t>2025-06-03</a:t>
+              <a:t>2025-06-04</a:t>
             </a:fld>
             <a:endParaRPr lang="ko-KR" altLang="en-US"/>
           </a:p>
@@ -2021,7 +2021,7 @@
           <a:p>
             <a:fld id="{DF85DC0E-F384-4EF2-B141-A8FEF26BFE61}" type="datetimeFigureOut">
               <a:rPr lang="ko-KR" altLang="en-US" smtClean="0"/>
-              <a:t>2025-06-03</a:t>
+              <a:t>2025-06-04</a:t>
             </a:fld>
             <a:endParaRPr lang="ko-KR" altLang="en-US"/>
           </a:p>
@@ -2433,7 +2433,7 @@
           <a:p>
             <a:fld id="{DF85DC0E-F384-4EF2-B141-A8FEF26BFE61}" type="datetimeFigureOut">
               <a:rPr lang="ko-KR" altLang="en-US" smtClean="0"/>
-              <a:t>2025-06-03</a:t>
+              <a:t>2025-06-04</a:t>
             </a:fld>
             <a:endParaRPr lang="ko-KR" altLang="en-US"/>
           </a:p>
@@ -2574,7 +2574,7 @@
           <a:p>
             <a:fld id="{DF85DC0E-F384-4EF2-B141-A8FEF26BFE61}" type="datetimeFigureOut">
               <a:rPr lang="ko-KR" altLang="en-US" smtClean="0"/>
-              <a:t>2025-06-03</a:t>
+              <a:t>2025-06-04</a:t>
             </a:fld>
             <a:endParaRPr lang="ko-KR" altLang="en-US"/>
           </a:p>
@@ -2687,7 +2687,7 @@
           <a:p>
             <a:fld id="{DF85DC0E-F384-4EF2-B141-A8FEF26BFE61}" type="datetimeFigureOut">
               <a:rPr lang="ko-KR" altLang="en-US" smtClean="0"/>
-              <a:t>2025-06-03</a:t>
+              <a:t>2025-06-04</a:t>
             </a:fld>
             <a:endParaRPr lang="ko-KR" altLang="en-US"/>
           </a:p>
@@ -2998,7 +2998,7 @@
           <a:p>
             <a:fld id="{DF85DC0E-F384-4EF2-B141-A8FEF26BFE61}" type="datetimeFigureOut">
               <a:rPr lang="ko-KR" altLang="en-US" smtClean="0"/>
-              <a:t>2025-06-03</a:t>
+              <a:t>2025-06-04</a:t>
             </a:fld>
             <a:endParaRPr lang="ko-KR" altLang="en-US"/>
           </a:p>
@@ -3286,7 +3286,7 @@
           <a:p>
             <a:fld id="{DF85DC0E-F384-4EF2-B141-A8FEF26BFE61}" type="datetimeFigureOut">
               <a:rPr lang="ko-KR" altLang="en-US" smtClean="0"/>
-              <a:t>2025-06-03</a:t>
+              <a:t>2025-06-04</a:t>
             </a:fld>
             <a:endParaRPr lang="ko-KR" altLang="en-US"/>
           </a:p>
@@ -3527,7 +3527,7 @@
           <a:p>
             <a:fld id="{DF85DC0E-F384-4EF2-B141-A8FEF26BFE61}" type="datetimeFigureOut">
               <a:rPr lang="ko-KR" altLang="en-US" smtClean="0"/>
-              <a:t>2025-06-03</a:t>
+              <a:t>2025-06-04</a:t>
             </a:fld>
             <a:endParaRPr lang="ko-KR" altLang="en-US"/>
           </a:p>
@@ -6053,6 +6053,14 @@
           <a:p>
             <a:r>
               <a:rPr lang="ko-KR" altLang="en-US" dirty="0"/>
+              <a:t>비교 연산자 </a:t>
+            </a:r>
+            <a:r>
+              <a:rPr lang="en-US" altLang="ko-KR" dirty="0"/>
+              <a:t>&amp; </a:t>
+            </a:r>
+            <a:r>
+              <a:rPr lang="ko-KR" altLang="en-US" dirty="0"/>
               <a:t>논리 연산자</a:t>
             </a:r>
           </a:p>
@@ -6082,7 +6090,7 @@
         </p:spPr>
         <p:txBody>
           <a:bodyPr>
-            <a:normAutofit/>
+            <a:normAutofit fontScale="92500" lnSpcReduction="20000"/>
           </a:bodyPr>
           <a:lstStyle/>
           <a:p>
@@ -6117,6 +6125,12 @@
             <a:pPr marL="0" indent="0">
               <a:buNone/>
             </a:pPr>
+            <a:endParaRPr lang="en-US" altLang="ko-KR" dirty="0"/>
+          </a:p>
+          <a:p>
+            <a:pPr marL="0" indent="0">
+              <a:buNone/>
+            </a:pPr>
             <a:r>
               <a:rPr lang="en-US" altLang="ko-KR" dirty="0"/>
               <a:t>a = 10</a:t>
@@ -6128,6 +6142,15 @@
             </a:pPr>
             <a:r>
               <a:rPr lang="en-US" altLang="ko-KR" dirty="0"/>
+              <a:t>b = 20</a:t>
+            </a:r>
+          </a:p>
+          <a:p>
+            <a:pPr marL="0" indent="0">
+              <a:buNone/>
+            </a:pPr>
+            <a:r>
+              <a:rPr lang="en-US" altLang="ko-KR" dirty="0"/>
               <a:t>if 10 &lt; a or a &lt; b and a == 10:</a:t>
             </a:r>
           </a:p>
@@ -6248,16 +6271,12 @@
               <a:t>는 </a:t>
             </a:r>
             <a:r>
-              <a:rPr lang="en-US" altLang="ko-KR"/>
+              <a:rPr lang="en-US" altLang="ko-KR" dirty="0"/>
               <a:t>11</a:t>
             </a:r>
             <a:r>
-              <a:rPr lang="ko-KR" altLang="en-US"/>
-              <a:t>과 </a:t>
-            </a:r>
-            <a:r>
-              <a:rPr lang="ko-KR" altLang="en-US" dirty="0"/>
-              <a:t>같지 않다</a:t>
+              <a:rPr lang="ko-KR" altLang="en-US" dirty="0"/>
+              <a:t>과 같지 않다</a:t>
             </a:r>
             <a:r>
               <a:rPr lang="en-US" altLang="ko-KR" dirty="0"/>
@@ -6400,28 +6419,8 @@
               <a:t>필요한 건</a:t>
             </a:r>
             <a:r>
-              <a:rPr lang="en-US" altLang="ko-KR" dirty="0"/>
+              <a:rPr lang="en-US" altLang="ko-KR"/>
               <a:t>? </a:t>
-            </a:r>
-            <a:r>
-              <a:rPr lang="ko-KR" altLang="en-US" dirty="0"/>
-              <a:t>함수 </a:t>
-            </a:r>
-            <a:endParaRPr lang="en-US" altLang="ko-KR" dirty="0"/>
-          </a:p>
-          <a:p>
-            <a:pPr marL="0" indent="0">
-              <a:buNone/>
-            </a:pPr>
-            <a:endParaRPr lang="en-US" altLang="ko-KR" dirty="0"/>
-          </a:p>
-          <a:p>
-            <a:pPr marL="0" indent="0">
-              <a:buNone/>
-            </a:pPr>
-            <a:r>
-              <a:rPr lang="ko-KR" altLang="en-US" dirty="0"/>
-              <a:t>함수를 담고 있는 라이브러리 필요</a:t>
             </a:r>
             <a:endParaRPr lang="en-US" altLang="ko-KR" dirty="0"/>
           </a:p>

--- a/4주차/4주차.pptx
+++ b/4주차/4주차.pptx
@@ -211,7 +211,7 @@
           <a:p>
             <a:fld id="{B4AD3D9F-DFED-446A-8E6A-4E55758CB59F}" type="datetimeFigureOut">
               <a:rPr lang="ko-KR" altLang="en-US" smtClean="0"/>
-              <a:t>2025-06-03</a:t>
+              <a:t>2025-06-16</a:t>
             </a:fld>
             <a:endParaRPr lang="ko-KR" altLang="en-US"/>
           </a:p>
@@ -877,7 +877,7 @@
           <a:p>
             <a:fld id="{DF85DC0E-F384-4EF2-B141-A8FEF26BFE61}" type="datetimeFigureOut">
               <a:rPr lang="ko-KR" altLang="en-US" smtClean="0"/>
-              <a:t>2025-06-03</a:t>
+              <a:t>2025-06-16</a:t>
             </a:fld>
             <a:endParaRPr lang="ko-KR" altLang="en-US"/>
           </a:p>
@@ -1075,7 +1075,7 @@
           <a:p>
             <a:fld id="{DF85DC0E-F384-4EF2-B141-A8FEF26BFE61}" type="datetimeFigureOut">
               <a:rPr lang="ko-KR" altLang="en-US" smtClean="0"/>
-              <a:t>2025-06-03</a:t>
+              <a:t>2025-06-16</a:t>
             </a:fld>
             <a:endParaRPr lang="ko-KR" altLang="en-US"/>
           </a:p>
@@ -1283,7 +1283,7 @@
           <a:p>
             <a:fld id="{DF85DC0E-F384-4EF2-B141-A8FEF26BFE61}" type="datetimeFigureOut">
               <a:rPr lang="ko-KR" altLang="en-US" smtClean="0"/>
-              <a:t>2025-06-03</a:t>
+              <a:t>2025-06-16</a:t>
             </a:fld>
             <a:endParaRPr lang="ko-KR" altLang="en-US"/>
           </a:p>
@@ -1481,7 +1481,7 @@
           <a:p>
             <a:fld id="{DF85DC0E-F384-4EF2-B141-A8FEF26BFE61}" type="datetimeFigureOut">
               <a:rPr lang="ko-KR" altLang="en-US" smtClean="0"/>
-              <a:t>2025-06-03</a:t>
+              <a:t>2025-06-16</a:t>
             </a:fld>
             <a:endParaRPr lang="ko-KR" altLang="en-US"/>
           </a:p>
@@ -1756,7 +1756,7 @@
           <a:p>
             <a:fld id="{DF85DC0E-F384-4EF2-B141-A8FEF26BFE61}" type="datetimeFigureOut">
               <a:rPr lang="ko-KR" altLang="en-US" smtClean="0"/>
-              <a:t>2025-06-03</a:t>
+              <a:t>2025-06-16</a:t>
             </a:fld>
             <a:endParaRPr lang="ko-KR" altLang="en-US"/>
           </a:p>
@@ -2021,7 +2021,7 @@
           <a:p>
             <a:fld id="{DF85DC0E-F384-4EF2-B141-A8FEF26BFE61}" type="datetimeFigureOut">
               <a:rPr lang="ko-KR" altLang="en-US" smtClean="0"/>
-              <a:t>2025-06-03</a:t>
+              <a:t>2025-06-16</a:t>
             </a:fld>
             <a:endParaRPr lang="ko-KR" altLang="en-US"/>
           </a:p>
@@ -2433,7 +2433,7 @@
           <a:p>
             <a:fld id="{DF85DC0E-F384-4EF2-B141-A8FEF26BFE61}" type="datetimeFigureOut">
               <a:rPr lang="ko-KR" altLang="en-US" smtClean="0"/>
-              <a:t>2025-06-03</a:t>
+              <a:t>2025-06-16</a:t>
             </a:fld>
             <a:endParaRPr lang="ko-KR" altLang="en-US"/>
           </a:p>
@@ -2574,7 +2574,7 @@
           <a:p>
             <a:fld id="{DF85DC0E-F384-4EF2-B141-A8FEF26BFE61}" type="datetimeFigureOut">
               <a:rPr lang="ko-KR" altLang="en-US" smtClean="0"/>
-              <a:t>2025-06-03</a:t>
+              <a:t>2025-06-16</a:t>
             </a:fld>
             <a:endParaRPr lang="ko-KR" altLang="en-US"/>
           </a:p>
@@ -2687,7 +2687,7 @@
           <a:p>
             <a:fld id="{DF85DC0E-F384-4EF2-B141-A8FEF26BFE61}" type="datetimeFigureOut">
               <a:rPr lang="ko-KR" altLang="en-US" smtClean="0"/>
-              <a:t>2025-06-03</a:t>
+              <a:t>2025-06-16</a:t>
             </a:fld>
             <a:endParaRPr lang="ko-KR" altLang="en-US"/>
           </a:p>
@@ -2998,7 +2998,7 @@
           <a:p>
             <a:fld id="{DF85DC0E-F384-4EF2-B141-A8FEF26BFE61}" type="datetimeFigureOut">
               <a:rPr lang="ko-KR" altLang="en-US" smtClean="0"/>
-              <a:t>2025-06-03</a:t>
+              <a:t>2025-06-16</a:t>
             </a:fld>
             <a:endParaRPr lang="ko-KR" altLang="en-US"/>
           </a:p>
@@ -3286,7 +3286,7 @@
           <a:p>
             <a:fld id="{DF85DC0E-F384-4EF2-B141-A8FEF26BFE61}" type="datetimeFigureOut">
               <a:rPr lang="ko-KR" altLang="en-US" smtClean="0"/>
-              <a:t>2025-06-03</a:t>
+              <a:t>2025-06-16</a:t>
             </a:fld>
             <a:endParaRPr lang="ko-KR" altLang="en-US"/>
           </a:p>
@@ -3527,7 +3527,7 @@
           <a:p>
             <a:fld id="{DF85DC0E-F384-4EF2-B141-A8FEF26BFE61}" type="datetimeFigureOut">
               <a:rPr lang="ko-KR" altLang="en-US" smtClean="0"/>
-              <a:t>2025-06-03</a:t>
+              <a:t>2025-06-16</a:t>
             </a:fld>
             <a:endParaRPr lang="ko-KR" altLang="en-US"/>
           </a:p>
